--- a/Blood4Life/Sprint-3/Diagramas/diagama-de-arq-microservice.pptx
+++ b/Blood4Life/Sprint-3/Diagramas/diagama-de-arq-microservice.pptx
@@ -113,17 +113,25 @@
 </p:presentation>
 </file>
 
+<file path=ppt/revisionInfo.xml><?xml version="1.0" encoding="utf-8"?>
+<p1510:revInfo xmlns:a="http://schemas.openxmlformats.org/drawingml/2006/main" xmlns:r="http://schemas.openxmlformats.org/officeDocument/2006/relationships" xmlns:p1510="http://schemas.microsoft.com/office/powerpoint/2015/10/main">
+  <p1510:revLst>
+    <p1510:client id="{F5E0C847-961F-4E21-A1F9-04D0516CB5FE}" v="18" dt="2020-12-14T01:48:07.090"/>
+  </p1510:revLst>
+</p1510:revInfo>
+</file>
+
 <file path=ppt/changesInfos/changesInfo1.xml><?xml version="1.0" encoding="utf-8"?>
 <pc:chgInfo xmlns:a="http://schemas.openxmlformats.org/drawingml/2006/main" xmlns:r="http://schemas.openxmlformats.org/officeDocument/2006/relationships" xmlns:ac="http://schemas.microsoft.com/office/drawing/2013/main/command" xmlns:pc="http://schemas.microsoft.com/office/powerpoint/2013/main/command">
   <pc:docChgLst>
     <pc:chgData name="Daniel Juncks" userId="0f121773a5ae8ec2" providerId="LiveId" clId="{F5E0C847-961F-4E21-A1F9-04D0516CB5FE}"/>
     <pc:docChg chg="undo custSel addSld delSld modSld">
-      <pc:chgData name="Daniel Juncks" userId="0f121773a5ae8ec2" providerId="LiveId" clId="{F5E0C847-961F-4E21-A1F9-04D0516CB5FE}" dt="2020-12-13T13:49:11.478" v="5" actId="47"/>
+      <pc:chgData name="Daniel Juncks" userId="0f121773a5ae8ec2" providerId="LiveId" clId="{F5E0C847-961F-4E21-A1F9-04D0516CB5FE}" dt="2020-12-14T21:12:37.062" v="10" actId="1076"/>
       <pc:docMkLst>
         <pc:docMk/>
       </pc:docMkLst>
-      <pc:sldChg chg="addSp delSp add del mod">
-        <pc:chgData name="Daniel Juncks" userId="0f121773a5ae8ec2" providerId="LiveId" clId="{F5E0C847-961F-4E21-A1F9-04D0516CB5FE}" dt="2020-12-13T13:48:01.769" v="4" actId="47"/>
+      <pc:sldChg chg="addSp delSp modSp add del mod">
+        <pc:chgData name="Daniel Juncks" userId="0f121773a5ae8ec2" providerId="LiveId" clId="{F5E0C847-961F-4E21-A1F9-04D0516CB5FE}" dt="2020-12-14T21:12:37.062" v="10" actId="1076"/>
         <pc:sldMkLst>
           <pc:docMk/>
           <pc:sldMk cId="109857222" sldId="256"/>
@@ -136,6 +144,22 @@
             <ac:spMk id="5" creationId="{571A105C-1C34-4054-BEA3-668656F6F9FA}"/>
           </ac:spMkLst>
         </pc:spChg>
+        <pc:picChg chg="add mod">
+          <ac:chgData name="Daniel Juncks" userId="0f121773a5ae8ec2" providerId="LiveId" clId="{F5E0C847-961F-4E21-A1F9-04D0516CB5FE}" dt="2020-12-14T21:12:37.062" v="10" actId="1076"/>
+          <ac:picMkLst>
+            <pc:docMk/>
+            <pc:sldMk cId="109857222" sldId="256"/>
+            <ac:picMk id="3" creationId="{7B364430-DC38-48B9-AD1F-922CF9624AC5}"/>
+          </ac:picMkLst>
+        </pc:picChg>
+        <pc:picChg chg="del">
+          <ac:chgData name="Daniel Juncks" userId="0f121773a5ae8ec2" providerId="LiveId" clId="{F5E0C847-961F-4E21-A1F9-04D0516CB5FE}" dt="2020-12-14T21:12:21.849" v="6" actId="478"/>
+          <ac:picMkLst>
+            <pc:docMk/>
+            <pc:sldMk cId="109857222" sldId="256"/>
+            <ac:picMk id="4" creationId="{1768160C-5EA2-42C4-902A-FEA0D3DCD0B6}"/>
+          </ac:picMkLst>
+        </pc:picChg>
       </pc:sldChg>
       <pc:sldChg chg="add del">
         <pc:chgData name="Daniel Juncks" userId="0f121773a5ae8ec2" providerId="LiveId" clId="{F5E0C847-961F-4E21-A1F9-04D0516CB5FE}" dt="2020-12-13T13:49:11.478" v="5" actId="47"/>
@@ -280,7 +304,7 @@
           <a:p>
             <a:fld id="{846CE7D5-CF57-46EF-B807-FDD0502418D4}" type="datetimeFigureOut">
               <a:rPr lang="en-US" smtClean="0"/>
-              <a:t>12/13/2020</a:t>
+              <a:t>12/14/2020</a:t>
             </a:fld>
             <a:endParaRPr lang="en-US"/>
           </a:p>
@@ -450,7 +474,7 @@
           <a:p>
             <a:fld id="{846CE7D5-CF57-46EF-B807-FDD0502418D4}" type="datetimeFigureOut">
               <a:rPr lang="en-US" smtClean="0"/>
-              <a:t>12/13/2020</a:t>
+              <a:t>12/14/2020</a:t>
             </a:fld>
             <a:endParaRPr lang="en-US"/>
           </a:p>
@@ -630,7 +654,7 @@
           <a:p>
             <a:fld id="{846CE7D5-CF57-46EF-B807-FDD0502418D4}" type="datetimeFigureOut">
               <a:rPr lang="en-US" smtClean="0"/>
-              <a:t>12/13/2020</a:t>
+              <a:t>12/14/2020</a:t>
             </a:fld>
             <a:endParaRPr lang="en-US"/>
           </a:p>
@@ -800,7 +824,7 @@
           <a:p>
             <a:fld id="{846CE7D5-CF57-46EF-B807-FDD0502418D4}" type="datetimeFigureOut">
               <a:rPr lang="en-US" smtClean="0"/>
-              <a:t>12/13/2020</a:t>
+              <a:t>12/14/2020</a:t>
             </a:fld>
             <a:endParaRPr lang="en-US"/>
           </a:p>
@@ -1046,7 +1070,7 @@
           <a:p>
             <a:fld id="{846CE7D5-CF57-46EF-B807-FDD0502418D4}" type="datetimeFigureOut">
               <a:rPr lang="en-US" smtClean="0"/>
-              <a:t>12/13/2020</a:t>
+              <a:t>12/14/2020</a:t>
             </a:fld>
             <a:endParaRPr lang="en-US"/>
           </a:p>
@@ -1278,7 +1302,7 @@
           <a:p>
             <a:fld id="{846CE7D5-CF57-46EF-B807-FDD0502418D4}" type="datetimeFigureOut">
               <a:rPr lang="en-US" smtClean="0"/>
-              <a:t>12/13/2020</a:t>
+              <a:t>12/14/2020</a:t>
             </a:fld>
             <a:endParaRPr lang="en-US"/>
           </a:p>
@@ -1645,7 +1669,7 @@
           <a:p>
             <a:fld id="{846CE7D5-CF57-46EF-B807-FDD0502418D4}" type="datetimeFigureOut">
               <a:rPr lang="en-US" smtClean="0"/>
-              <a:t>12/13/2020</a:t>
+              <a:t>12/14/2020</a:t>
             </a:fld>
             <a:endParaRPr lang="en-US"/>
           </a:p>
@@ -1763,7 +1787,7 @@
           <a:p>
             <a:fld id="{846CE7D5-CF57-46EF-B807-FDD0502418D4}" type="datetimeFigureOut">
               <a:rPr lang="en-US" smtClean="0"/>
-              <a:t>12/13/2020</a:t>
+              <a:t>12/14/2020</a:t>
             </a:fld>
             <a:endParaRPr lang="en-US"/>
           </a:p>
@@ -1858,7 +1882,7 @@
           <a:p>
             <a:fld id="{846CE7D5-CF57-46EF-B807-FDD0502418D4}" type="datetimeFigureOut">
               <a:rPr lang="en-US" smtClean="0"/>
-              <a:t>12/13/2020</a:t>
+              <a:t>12/14/2020</a:t>
             </a:fld>
             <a:endParaRPr lang="en-US"/>
           </a:p>
@@ -2135,7 +2159,7 @@
           <a:p>
             <a:fld id="{846CE7D5-CF57-46EF-B807-FDD0502418D4}" type="datetimeFigureOut">
               <a:rPr lang="en-US" smtClean="0"/>
-              <a:t>12/13/2020</a:t>
+              <a:t>12/14/2020</a:t>
             </a:fld>
             <a:endParaRPr lang="en-US"/>
           </a:p>
@@ -2392,7 +2416,7 @@
           <a:p>
             <a:fld id="{846CE7D5-CF57-46EF-B807-FDD0502418D4}" type="datetimeFigureOut">
               <a:rPr lang="en-US" smtClean="0"/>
-              <a:t>12/13/2020</a:t>
+              <a:t>12/14/2020</a:t>
             </a:fld>
             <a:endParaRPr lang="en-US"/>
           </a:p>
@@ -2605,7 +2629,7 @@
           <a:p>
             <a:fld id="{846CE7D5-CF57-46EF-B807-FDD0502418D4}" type="datetimeFigureOut">
               <a:rPr lang="en-US" smtClean="0"/>
-              <a:t>12/13/2020</a:t>
+              <a:t>12/14/2020</a:t>
             </a:fld>
             <a:endParaRPr lang="en-US"/>
           </a:p>
@@ -3012,10 +3036,10 @@
       </p:grpSpPr>
       <p:pic>
         <p:nvPicPr>
-          <p:cNvPr id="4" name="Picture 4">
+          <p:cNvPr id="3" name="Imagem 2">
             <a:extLst>
               <a:ext uri="{FF2B5EF4-FFF2-40B4-BE49-F238E27FC236}">
-                <a16:creationId xmlns:a16="http://schemas.microsoft.com/office/drawing/2014/main" id="{1768160C-5EA2-42C4-902A-FEA0D3DCD0B6}"/>
+                <a16:creationId xmlns:a16="http://schemas.microsoft.com/office/drawing/2014/main" id="{7B364430-DC38-48B9-AD1F-922CF9624AC5}"/>
               </a:ext>
             </a:extLst>
           </p:cNvPr>
@@ -3032,8 +3056,8 @@
         </p:blipFill>
         <p:spPr>
           <a:xfrm>
-            <a:off x="817419" y="351760"/>
-            <a:ext cx="10432471" cy="6154479"/>
+            <a:off x="193666" y="243840"/>
+            <a:ext cx="11804667" cy="6124226"/>
           </a:xfrm>
           <a:prstGeom prst="rect">
             <a:avLst/>
@@ -3198,7 +3222,7 @@
           <a:p>
             <a:pPr algn="ctr"/>
             <a:r>
-              <a:rPr lang="en-US">
+              <a:rPr lang="en-US" dirty="0">
                 <a:cs typeface="Calibri"/>
               </a:rPr>
               <a:t>ORM</a:t>
@@ -3207,7 +3231,7 @@
           <a:p>
             <a:pPr algn="ctr"/>
             <a:r>
-              <a:rPr lang="en-US">
+              <a:rPr lang="en-US" dirty="0">
                 <a:cs typeface="Calibri"/>
               </a:rPr>
               <a:t>[Component: JPA]</a:t>
@@ -3215,57 +3239,18 @@
           </a:p>
           <a:p>
             <a:pPr algn="ctr"/>
-            <a:endParaRPr lang="en-US">
+            <a:endParaRPr lang="en-US" dirty="0">
               <a:cs typeface="Calibri"/>
             </a:endParaRPr>
           </a:p>
           <a:p>
             <a:pPr algn="ctr"/>
             <a:r>
-              <a:rPr lang="en-US" err="1">
+              <a:rPr lang="en-US" dirty="0">
                 <a:cs typeface="Calibri"/>
               </a:rPr>
-              <a:t>Componente</a:t>
-            </a:r>
-            <a:r>
-              <a:rPr lang="en-US">
-                <a:cs typeface="Calibri"/>
-              </a:rPr>
-              <a:t> que </a:t>
-            </a:r>
-            <a:r>
-              <a:rPr lang="en-US" err="1">
-                <a:cs typeface="Calibri"/>
-              </a:rPr>
-              <a:t>gerencia</a:t>
-            </a:r>
-            <a:r>
-              <a:rPr lang="en-US">
-                <a:cs typeface="Calibri"/>
-              </a:rPr>
-              <a:t> as </a:t>
-            </a:r>
-            <a:r>
-              <a:rPr lang="en-US" err="1">
-                <a:cs typeface="Calibri"/>
-              </a:rPr>
-              <a:t>conexões</a:t>
-            </a:r>
-            <a:r>
-              <a:rPr lang="en-US">
-                <a:cs typeface="Calibri"/>
-              </a:rPr>
-              <a:t> e </a:t>
-            </a:r>
-            <a:r>
-              <a:rPr lang="en-US" err="1">
-                <a:cs typeface="Calibri"/>
-              </a:rPr>
-              <a:t>transações</a:t>
-            </a:r>
-            <a:endParaRPr lang="en-US">
-              <a:cs typeface="Calibri"/>
-            </a:endParaRPr>
+              <a:t>Componente que gerencia as conexões e transações</a:t>
+            </a:r>
           </a:p>
         </p:txBody>
       </p:sp>
@@ -3312,12 +3297,12 @@
           <a:p>
             <a:pPr algn="ctr"/>
             <a:r>
-              <a:rPr lang="en-US" dirty="0" err="1">
+              <a:rPr lang="en-US" dirty="0">
                 <a:cs typeface="Calibri"/>
               </a:rPr>
               <a:t>ExportacaoController</a:t>
             </a:r>
-            <a:endParaRPr lang="en-US" dirty="0" err="1"/>
+            <a:endParaRPr lang="en-US" dirty="0"/>
           </a:p>
           <a:p>
             <a:pPr algn="ctr"/>
@@ -3337,16 +3322,10 @@
           <a:p>
             <a:pPr algn="ctr"/>
             <a:r>
-              <a:rPr lang="en-US" dirty="0" err="1">
-                <a:cs typeface="Calibri"/>
-              </a:rPr>
-              <a:t>Exporta</a:t>
-            </a:r>
-            <a:r>
               <a:rPr lang="en-US" dirty="0">
                 <a:cs typeface="Calibri"/>
               </a:rPr>
-              <a:t> dados TXT/CSV</a:t>
+              <a:t>Exporta dados TXT/CSV</a:t>
             </a:r>
           </a:p>
         </p:txBody>
@@ -3394,25 +3373,22 @@
           <a:p>
             <a:pPr algn="ctr"/>
             <a:r>
-              <a:rPr lang="en-US" err="1">
+              <a:rPr lang="en-US" dirty="0">
                 <a:cs typeface="Calibri"/>
               </a:rPr>
               <a:t>DoadoresController</a:t>
             </a:r>
-            <a:endParaRPr lang="en-US">
-              <a:cs typeface="Calibri"/>
-            </a:endParaRPr>
           </a:p>
           <a:p>
             <a:pPr algn="ctr"/>
             <a:r>
-              <a:rPr lang="en-US">
+              <a:rPr lang="en-US" dirty="0">
                 <a:cs typeface="Calibri"/>
               </a:rPr>
               <a:t>[Component:</a:t>
             </a:r>
             <a:r>
-              <a:rPr lang="en-US">
+              <a:rPr lang="en-US" dirty="0">
                 <a:ea typeface="+mn-lt"/>
                 <a:cs typeface="+mn-lt"/>
               </a:rPr>
@@ -3422,14 +3398,14 @@
           <a:p>
             <a:pPr algn="ctr"/>
             <a:r>
-              <a:rPr lang="en-US">
+              <a:rPr lang="en-US" dirty="0">
                 <a:ea typeface="+mn-lt"/>
                 <a:cs typeface="+mn-lt"/>
               </a:rPr>
               <a:t>Spring</a:t>
             </a:r>
             <a:r>
-              <a:rPr lang="en-US">
+              <a:rPr lang="en-US" dirty="0">
                 <a:cs typeface="Calibri"/>
               </a:rPr>
               <a:t> Rest Controller]</a:t>
@@ -3437,27 +3413,18 @@
           </a:p>
           <a:p>
             <a:pPr algn="ctr"/>
-            <a:endParaRPr lang="en-US">
+            <a:endParaRPr lang="en-US" dirty="0">
               <a:cs typeface="Calibri"/>
             </a:endParaRPr>
           </a:p>
           <a:p>
             <a:pPr algn="ctr"/>
             <a:r>
-              <a:rPr lang="en-US">
+              <a:rPr lang="en-US" dirty="0">
                 <a:cs typeface="Calibri"/>
               </a:rPr>
-              <a:t>CRUD dos </a:t>
-            </a:r>
-            <a:r>
-              <a:rPr lang="en-US" err="1">
-                <a:cs typeface="Calibri"/>
-              </a:rPr>
-              <a:t>Doadores</a:t>
-            </a:r>
-            <a:endParaRPr lang="en-US">
-              <a:cs typeface="Calibri"/>
-            </a:endParaRPr>
+              <a:t>CRUD dos Doadores</a:t>
+            </a:r>
           </a:p>
         </p:txBody>
       </p:sp>
@@ -3504,7 +3471,7 @@
           <a:p>
             <a:pPr algn="ctr" rtl="0"/>
             <a:r>
-              <a:rPr lang="en-US" err="1">
+              <a:rPr lang="en-US" dirty="0">
                 <a:solidFill>
                   <a:srgbClr val="FFFFFF"/>
                 </a:solidFill>
@@ -3515,7 +3482,7 @@
               <a:t>HospitalController</a:t>
             </a:r>
             <a:r>
-              <a:rPr lang="en-US">
+              <a:rPr lang="en-US" dirty="0">
                 <a:latin typeface="Calibri"/>
                 <a:ea typeface="Segoe UI"/>
                 <a:cs typeface="Segoe UI"/>
@@ -3526,7 +3493,7 @@
           <a:p>
             <a:pPr algn="ctr"/>
             <a:r>
-              <a:rPr lang="en-US">
+              <a:rPr lang="en-US" dirty="0">
                 <a:solidFill>
                   <a:srgbClr val="FFFFFF"/>
                 </a:solidFill>
@@ -3537,7 +3504,7 @@
               <a:t>[Component: </a:t>
             </a:r>
             <a:r>
-              <a:rPr lang="en-US">
+              <a:rPr lang="en-US" dirty="0">
                 <a:solidFill>
                   <a:srgbClr val="FFFFFF"/>
                 </a:solidFill>
@@ -3548,7 +3515,7 @@
               <a:t> Spring </a:t>
             </a:r>
             <a:r>
-              <a:rPr lang="en-US">
+              <a:rPr lang="en-US" dirty="0">
                 <a:solidFill>
                   <a:srgbClr val="FFFFFF"/>
                 </a:solidFill>
@@ -3559,7 +3526,7 @@
               <a:t>Rest Controller]</a:t>
             </a:r>
             <a:r>
-              <a:rPr lang="en-US">
+              <a:rPr lang="en-US" dirty="0">
                 <a:latin typeface="Calibri"/>
                 <a:ea typeface="Segoe UI"/>
                 <a:cs typeface="Segoe UI"/>
@@ -3570,7 +3537,7 @@
           <a:p>
             <a:pPr algn="ctr" rtl="0"/>
             <a:r>
-              <a:rPr lang="en-US">
+              <a:rPr lang="en-US" dirty="0">
                 <a:latin typeface="Calibri"/>
                 <a:ea typeface="Segoe UI"/>
                 <a:cs typeface="Segoe UI"/>
@@ -3581,7 +3548,7 @@
           <a:p>
             <a:pPr algn="ctr" rtl="0"/>
             <a:r>
-              <a:rPr lang="en-US">
+              <a:rPr lang="en-US" dirty="0">
                 <a:solidFill>
                   <a:srgbClr val="FFFFFF"/>
                 </a:solidFill>
@@ -3589,20 +3556,9 @@
                 <a:ea typeface="Segoe UI"/>
                 <a:cs typeface="Segoe UI"/>
               </a:rPr>
-              <a:t>CRUD dos </a:t>
-            </a:r>
-            <a:r>
-              <a:rPr lang="en-US" err="1">
-                <a:solidFill>
-                  <a:srgbClr val="FFFFFF"/>
-                </a:solidFill>
-                <a:latin typeface="Calibri"/>
-                <a:ea typeface="Segoe UI"/>
-                <a:cs typeface="Segoe UI"/>
-              </a:rPr>
-              <a:t>Hospitais</a:t>
-            </a:r>
-            <a:endParaRPr lang="en-US" err="1">
+              <a:t>CRUD dos Hospitais</a:t>
+            </a:r>
+            <a:endParaRPr lang="en-US" dirty="0">
               <a:cs typeface="Calibri"/>
             </a:endParaRPr>
           </a:p>
@@ -3651,14 +3607,11 @@
           <a:p>
             <a:pPr algn="ctr"/>
             <a:r>
-              <a:rPr lang="en-US" err="1">
+              <a:rPr lang="en-US" dirty="0">
                 <a:cs typeface="Calibri"/>
               </a:rPr>
               <a:t>LoginController</a:t>
             </a:r>
-            <a:endParaRPr lang="en-US">
-              <a:cs typeface="Calibri"/>
-            </a:endParaRPr>
           </a:p>
           <a:p>
             <a:pPr algn="ctr"/>
@@ -3671,7 +3624,7 @@
           </a:p>
           <a:p>
             <a:pPr algn="ctr"/>
-            <a:endParaRPr lang="en-US">
+            <a:endParaRPr lang="en-US" dirty="0">
               <a:cs typeface="Calibri"/>
             </a:endParaRPr>
           </a:p>
@@ -3729,32 +3682,29 @@
           <a:p>
             <a:pPr algn="ctr"/>
             <a:r>
-              <a:rPr lang="en-US" err="1">
+              <a:rPr lang="en-US" dirty="0">
                 <a:cs typeface="Calibri"/>
               </a:rPr>
               <a:t>BancoDeSangueController</a:t>
             </a:r>
-            <a:endParaRPr lang="en-US">
-              <a:cs typeface="Calibri"/>
-            </a:endParaRPr>
           </a:p>
           <a:p>
             <a:pPr algn="ctr"/>
             <a:r>
-              <a:rPr lang="en-US">
+              <a:rPr lang="en-US" dirty="0">
                 <a:cs typeface="Calibri"/>
               </a:rPr>
               <a:t>[Component:</a:t>
             </a:r>
             <a:r>
-              <a:rPr lang="en-US">
+              <a:rPr lang="en-US" dirty="0">
                 <a:ea typeface="+mn-lt"/>
                 <a:cs typeface="+mn-lt"/>
               </a:rPr>
               <a:t> Spring Rest</a:t>
             </a:r>
             <a:r>
-              <a:rPr lang="en-US">
+              <a:rPr lang="en-US" dirty="0">
                 <a:cs typeface="Calibri"/>
               </a:rPr>
               <a:t> Controller]</a:t>
@@ -3762,39 +3712,18 @@
           </a:p>
           <a:p>
             <a:pPr algn="ctr"/>
-            <a:endParaRPr lang="en-US">
+            <a:endParaRPr lang="en-US" dirty="0">
               <a:cs typeface="Calibri"/>
             </a:endParaRPr>
           </a:p>
           <a:p>
             <a:pPr algn="ctr"/>
             <a:r>
-              <a:rPr lang="en-US">
+              <a:rPr lang="en-US" dirty="0">
                 <a:cs typeface="Calibri"/>
               </a:rPr>
-              <a:t>Estoque dos </a:t>
-            </a:r>
-            <a:r>
-              <a:rPr lang="en-US" err="1">
-                <a:cs typeface="Calibri"/>
-              </a:rPr>
-              <a:t>bancos</a:t>
-            </a:r>
-            <a:r>
-              <a:rPr lang="en-US">
-                <a:cs typeface="Calibri"/>
-              </a:rPr>
-              <a:t> de </a:t>
-            </a:r>
-            <a:r>
-              <a:rPr lang="en-US" err="1">
-                <a:cs typeface="Calibri"/>
-              </a:rPr>
-              <a:t>sangue</a:t>
-            </a:r>
-            <a:endParaRPr lang="en-US">
-              <a:cs typeface="Calibri"/>
-            </a:endParaRPr>
+              <a:t>Estoque dos bancos de sangue</a:t>
+            </a:r>
           </a:p>
         </p:txBody>
       </p:sp>
@@ -3918,41 +3847,17 @@
           </a:p>
           <a:p>
             <a:pPr algn="ctr"/>
-            <a:endParaRPr lang="en-US">
+            <a:endParaRPr lang="en-US" dirty="0">
               <a:cs typeface="Calibri"/>
             </a:endParaRPr>
           </a:p>
           <a:p>
             <a:pPr algn="ctr"/>
-            <a:r>
-              <a:rPr lang="en-US" dirty="0" err="1">
-                <a:cs typeface="Calibri"/>
-              </a:rPr>
-              <a:t>Funcionalidades</a:t>
-            </a:r>
             <a:r>
               <a:rPr lang="en-US" dirty="0">
                 <a:cs typeface="Calibri"/>
               </a:rPr>
-              <a:t> de </a:t>
-            </a:r>
-            <a:r>
-              <a:rPr lang="en-US" dirty="0" err="1">
-                <a:cs typeface="Calibri"/>
-              </a:rPr>
-              <a:t>segurança</a:t>
-            </a:r>
-            <a:r>
-              <a:rPr lang="en-US" dirty="0">
-                <a:cs typeface="Calibri"/>
-              </a:rPr>
-              <a:t> do </a:t>
-            </a:r>
-            <a:r>
-              <a:rPr lang="en-US" dirty="0" err="1">
-                <a:cs typeface="Calibri"/>
-              </a:rPr>
-              <a:t>sistema</a:t>
+              <a:t>Funcionalidades de segurança do sistema</a:t>
             </a:r>
           </a:p>
         </p:txBody>
